--- a/Whatsapp_Bot_Tutorial_21.pptx
+++ b/Whatsapp_Bot_Tutorial_21.pptx
@@ -5902,10 +5902,10 @@
       </p:sp>
       <p:sp>
         <p:nvSpPr>
-          <p:cNvPr id="2" name="TextBox 1">
-            <a:extLst>
-              <a:ext uri="{FF2B5EF4-FFF2-40B4-BE49-F238E27FC236}">
-                <a16:creationId xmlns:a16="http://schemas.microsoft.com/office/drawing/2014/main" id="{8BE98B7E-01E1-5040-971D-CAB903A8990E}"/>
+          <p:cNvPr id="3" name="TextBox 2">
+            <a:extLst>
+              <a:ext uri="{FF2B5EF4-FFF2-40B4-BE49-F238E27FC236}">
+                <a16:creationId xmlns:a16="http://schemas.microsoft.com/office/drawing/2014/main" id="{0F1E6207-478F-7F42-B1B0-4AA357841A20}"/>
               </a:ext>
             </a:extLst>
           </p:cNvPr>
@@ -5914,8 +5914,8 @@
         </p:nvSpPr>
         <p:spPr>
           <a:xfrm>
-            <a:off x="3743117" y="136525"/>
-            <a:ext cx="184731" cy="369332"/>
+            <a:off x="3613848" y="1073851"/>
+            <a:ext cx="7418185" cy="307777"/>
           </a:xfrm>
           <a:prstGeom prst="rect">
             <a:avLst/>
@@ -5928,7 +5928,35 @@
           </a:bodyPr>
           <a:lstStyle/>
           <a:p>
-            <a:endParaRPr lang="en-DE" dirty="0"/>
+            <a:r>
+              <a:rPr lang="en-GB" sz="1400" dirty="0"/>
+              <a:t>https://</a:t>
+            </a:r>
+            <a:r>
+              <a:rPr lang="en-GB" sz="1400" dirty="0" err="1"/>
+              <a:t>github.com</a:t>
+            </a:r>
+            <a:r>
+              <a:rPr lang="en-GB" sz="1400" dirty="0"/>
+              <a:t>/</a:t>
+            </a:r>
+            <a:r>
+              <a:rPr lang="en-GB" sz="1400" dirty="0" err="1"/>
+              <a:t>youtubetotaltechnology</a:t>
+            </a:r>
+            <a:r>
+              <a:rPr lang="en-GB" sz="1400" dirty="0"/>
+              <a:t>/source/tree/master/</a:t>
+            </a:r>
+            <a:r>
+              <a:rPr lang="en-GB" sz="1400" dirty="0" err="1"/>
+              <a:t>whatsapp_automation</a:t>
+            </a:r>
+            <a:r>
+              <a:rPr lang="en-GB" sz="1400" dirty="0"/>
+              <a:t>/tutorial21</a:t>
+            </a:r>
+            <a:endParaRPr lang="en-DE" sz="1400" dirty="0"/>
           </a:p>
         </p:txBody>
       </p:sp>
